--- a/Презентация Опрос Мегафона.pptx
+++ b/Презентация Опрос Мегафона.pptx
@@ -3418,7 +3418,7 @@
           <a:p>
             <a:fld id="{92039BC9-3858-422C-B278-FD7174E5EC2D}" type="datetimeFigureOut">
               <a:rPr lang="ru-RU" smtClean="0"/>
-              <a:t>03.06.2022</a:t>
+              <a:t>19.06.2022</a:t>
             </a:fld>
             <a:endParaRPr lang="ru-RU"/>
           </a:p>
@@ -4336,7 +4336,7 @@
           <a:p>
             <a:fld id="{BD2A03D0-EB31-43A0-90ED-FB611DE9DBB9}" type="datetime1">
               <a:rPr lang="ru-RU" smtClean="0"/>
-              <a:t>03.06.2022</a:t>
+              <a:t>19.06.2022</a:t>
             </a:fld>
             <a:endParaRPr lang="ru-RU"/>
           </a:p>
@@ -4534,7 +4534,7 @@
           <a:p>
             <a:fld id="{4F4C2454-D25F-4CCF-A772-EA1FBD4A447B}" type="datetime1">
               <a:rPr lang="ru-RU" smtClean="0"/>
-              <a:t>03.06.2022</a:t>
+              <a:t>19.06.2022</a:t>
             </a:fld>
             <a:endParaRPr lang="ru-RU"/>
           </a:p>
@@ -4742,7 +4742,7 @@
           <a:p>
             <a:fld id="{6A525022-F6E7-4A03-BB0B-9089D88D01D6}" type="datetime1">
               <a:rPr lang="ru-RU" smtClean="0"/>
-              <a:t>03.06.2022</a:t>
+              <a:t>19.06.2022</a:t>
             </a:fld>
             <a:endParaRPr lang="ru-RU"/>
           </a:p>
@@ -4940,7 +4940,7 @@
           <a:p>
             <a:fld id="{A17787A2-DB9E-4BF1-A333-A8DD596EAC0F}" type="datetime1">
               <a:rPr lang="ru-RU" smtClean="0"/>
-              <a:t>03.06.2022</a:t>
+              <a:t>19.06.2022</a:t>
             </a:fld>
             <a:endParaRPr lang="ru-RU"/>
           </a:p>
@@ -5215,7 +5215,7 @@
           <a:p>
             <a:fld id="{3D2978A7-42CD-4CCD-89B5-77427DE976EC}" type="datetime1">
               <a:rPr lang="ru-RU" smtClean="0"/>
-              <a:t>03.06.2022</a:t>
+              <a:t>19.06.2022</a:t>
             </a:fld>
             <a:endParaRPr lang="ru-RU"/>
           </a:p>
@@ -5480,7 +5480,7 @@
           <a:p>
             <a:fld id="{08C7C035-28D9-4837-B89A-926A9B9F073F}" type="datetime1">
               <a:rPr lang="ru-RU" smtClean="0"/>
-              <a:t>03.06.2022</a:t>
+              <a:t>19.06.2022</a:t>
             </a:fld>
             <a:endParaRPr lang="ru-RU"/>
           </a:p>
@@ -5892,7 +5892,7 @@
           <a:p>
             <a:fld id="{ACCC9309-8998-4995-B3C7-99F94BC63967}" type="datetime1">
               <a:rPr lang="ru-RU" smtClean="0"/>
-              <a:t>03.06.2022</a:t>
+              <a:t>19.06.2022</a:t>
             </a:fld>
             <a:endParaRPr lang="ru-RU"/>
           </a:p>
@@ -6033,7 +6033,7 @@
           <a:p>
             <a:fld id="{FE770CAA-860C-4EE4-9A86-E951F531B60C}" type="datetime1">
               <a:rPr lang="ru-RU" smtClean="0"/>
-              <a:t>03.06.2022</a:t>
+              <a:t>19.06.2022</a:t>
             </a:fld>
             <a:endParaRPr lang="ru-RU"/>
           </a:p>
@@ -6146,7 +6146,7 @@
           <a:p>
             <a:fld id="{B9F7B279-9D8D-4D7B-86E8-0031200B0763}" type="datetime1">
               <a:rPr lang="ru-RU" smtClean="0"/>
-              <a:t>03.06.2022</a:t>
+              <a:t>19.06.2022</a:t>
             </a:fld>
             <a:endParaRPr lang="ru-RU"/>
           </a:p>
@@ -6457,7 +6457,7 @@
           <a:p>
             <a:fld id="{3435A6D1-9D20-4C72-B0CF-885E2DE81FC2}" type="datetime1">
               <a:rPr lang="ru-RU" smtClean="0"/>
-              <a:t>03.06.2022</a:t>
+              <a:t>19.06.2022</a:t>
             </a:fld>
             <a:endParaRPr lang="ru-RU"/>
           </a:p>
@@ -6745,7 +6745,7 @@
           <a:p>
             <a:fld id="{9D2FF4C6-2021-49BB-93E4-27AA07D8BF0A}" type="datetime1">
               <a:rPr lang="ru-RU" smtClean="0"/>
-              <a:t>03.06.2022</a:t>
+              <a:t>19.06.2022</a:t>
             </a:fld>
             <a:endParaRPr lang="ru-RU"/>
           </a:p>
@@ -6986,7 +6986,7 @@
           <a:p>
             <a:fld id="{41B13B8F-9D01-4526-B1BE-E7EA6245A7FB}" type="datetime1">
               <a:rPr lang="ru-RU" smtClean="0"/>
-              <a:t>03.06.2022</a:t>
+              <a:t>19.06.2022</a:t>
             </a:fld>
             <a:endParaRPr lang="ru-RU"/>
           </a:p>
@@ -17374,7 +17374,7 @@
         <p:spPr>
           <a:xfrm>
             <a:off x="4853143" y="2582935"/>
-            <a:ext cx="6711462" cy="1477328"/>
+            <a:ext cx="6711462" cy="2031325"/>
           </a:xfrm>
           <a:prstGeom prst="rect">
             <a:avLst/>
@@ -17439,6 +17439,51 @@
               </a:rPr>
               <a:t>Инженер по эксплуатации электропоездов Сапсан, Ласточка</a:t>
             </a:r>
+            <a:endParaRPr lang="en-US" dirty="0">
+              <a:solidFill>
+                <a:srgbClr val="5C5C5C"/>
+              </a:solidFill>
+              <a:latin typeface="Arial" panose="020B0604020202020204" pitchFamily="34" charset="0"/>
+              <a:cs typeface="Arial" panose="020B0604020202020204" pitchFamily="34" charset="0"/>
+            </a:endParaRPr>
+          </a:p>
+          <a:p>
+            <a:endParaRPr lang="en-US" dirty="0">
+              <a:solidFill>
+                <a:srgbClr val="5C5C5C"/>
+              </a:solidFill>
+              <a:latin typeface="Arial" panose="020B0604020202020204" pitchFamily="34" charset="0"/>
+              <a:cs typeface="Arial" panose="020B0604020202020204" pitchFamily="34" charset="0"/>
+            </a:endParaRPr>
+          </a:p>
+          <a:p>
+            <a:r>
+              <a:rPr lang="en-US" dirty="0">
+                <a:solidFill>
+                  <a:srgbClr val="5C5C5C"/>
+                </a:solidFill>
+                <a:latin typeface="Arial" panose="020B0604020202020204" pitchFamily="34" charset="0"/>
+                <a:cs typeface="Arial" panose="020B0604020202020204" pitchFamily="34" charset="0"/>
+              </a:rPr>
+              <a:t>GitHub: </a:t>
+            </a:r>
+            <a:r>
+              <a:rPr lang="en-US" dirty="0" err="1">
+                <a:solidFill>
+                  <a:srgbClr val="5C5C5C"/>
+                </a:solidFill>
+                <a:latin typeface="Arial" panose="020B0604020202020204" pitchFamily="34" charset="0"/>
+                <a:cs typeface="Arial" panose="020B0604020202020204" pitchFamily="34" charset="0"/>
+              </a:rPr>
+              <a:t>alekseigontsa</a:t>
+            </a:r>
+            <a:endParaRPr lang="ru-RU" dirty="0">
+              <a:solidFill>
+                <a:srgbClr val="5C5C5C"/>
+              </a:solidFill>
+              <a:latin typeface="Arial" panose="020B0604020202020204" pitchFamily="34" charset="0"/>
+              <a:cs typeface="Arial" panose="020B0604020202020204" pitchFamily="34" charset="0"/>
+            </a:endParaRPr>
           </a:p>
         </p:txBody>
       </p:sp>
@@ -29018,7 +29063,7 @@
 </file>
 
 <file path=ppt/slides/slide29.xml><?xml version="1.0" encoding="utf-8"?>
-<p:sld xmlns:a="http://schemas.openxmlformats.org/drawingml/2006/main" xmlns:r="http://schemas.openxmlformats.org/officeDocument/2006/relationships" xmlns:p="http://schemas.openxmlformats.org/presentationml/2006/main">
+<p:sld xmlns:a="http://schemas.openxmlformats.org/drawingml/2006/main" xmlns:r="http://schemas.openxmlformats.org/officeDocument/2006/relationships" xmlns:p="http://schemas.openxmlformats.org/presentationml/2006/main" show="0">
   <p:cSld>
     <p:spTree>
       <p:nvGrpSpPr>
@@ -31924,7 +31969,7 @@
 </file>
 
 <file path=ppt/slides/slide30.xml><?xml version="1.0" encoding="utf-8"?>
-<p:sld xmlns:a="http://schemas.openxmlformats.org/drawingml/2006/main" xmlns:r="http://schemas.openxmlformats.org/officeDocument/2006/relationships" xmlns:p="http://schemas.openxmlformats.org/presentationml/2006/main">
+<p:sld xmlns:a="http://schemas.openxmlformats.org/drawingml/2006/main" xmlns:r="http://schemas.openxmlformats.org/officeDocument/2006/relationships" xmlns:p="http://schemas.openxmlformats.org/presentationml/2006/main" show="0">
   <p:cSld>
     <p:spTree>
       <p:nvGrpSpPr>
@@ -33569,7 +33614,7 @@
 </file>
 
 <file path=ppt/slides/slide31.xml><?xml version="1.0" encoding="utf-8"?>
-<p:sld xmlns:a="http://schemas.openxmlformats.org/drawingml/2006/main" xmlns:r="http://schemas.openxmlformats.org/officeDocument/2006/relationships" xmlns:p="http://schemas.openxmlformats.org/presentationml/2006/main">
+<p:sld xmlns:a="http://schemas.openxmlformats.org/drawingml/2006/main" xmlns:r="http://schemas.openxmlformats.org/officeDocument/2006/relationships" xmlns:p="http://schemas.openxmlformats.org/presentationml/2006/main" show="0">
   <p:cSld>
     <p:spTree>
       <p:nvGrpSpPr>
@@ -35228,7 +35273,7 @@
 </file>
 
 <file path=ppt/slides/slide32.xml><?xml version="1.0" encoding="utf-8"?>
-<p:sld xmlns:a="http://schemas.openxmlformats.org/drawingml/2006/main" xmlns:r="http://schemas.openxmlformats.org/officeDocument/2006/relationships" xmlns:p="http://schemas.openxmlformats.org/presentationml/2006/main">
+<p:sld xmlns:a="http://schemas.openxmlformats.org/drawingml/2006/main" xmlns:r="http://schemas.openxmlformats.org/officeDocument/2006/relationships" xmlns:p="http://schemas.openxmlformats.org/presentationml/2006/main" show="0">
   <p:cSld>
     <p:spTree>
       <p:nvGrpSpPr>
